--- a/NLP/HW2/第二次实践作业(16分).pptx
+++ b/NLP/HW2/第二次实践作业(16分).pptx
@@ -204,7 +204,7 @@
           <a:p>
             <a:fld id="{BDB40396-AB55-4CCD-A782-E8EBD40B8CD3}" type="datetimeFigureOut">
               <a:rPr lang="zh-CN" altLang="en-US" smtClean="0"/>
-              <a:t>2023/11/16</a:t>
+              <a:t>2023/11/25</a:t>
             </a:fld>
             <a:endParaRPr lang="zh-CN" altLang="en-US"/>
           </a:p>
@@ -268,38 +268,37 @@
           <a:p>
             <a:pPr lvl="0"/>
             <a:r>
-              <a:rPr lang="zh-CN" altLang="en-US" smtClean="0"/>
+              <a:rPr lang="zh-CN" altLang="en-US"/>
               <a:t>单击此处编辑母版文本样式</a:t>
             </a:r>
           </a:p>
           <a:p>
             <a:pPr lvl="1"/>
             <a:r>
-              <a:rPr lang="zh-CN" altLang="en-US" smtClean="0"/>
+              <a:rPr lang="zh-CN" altLang="en-US"/>
               <a:t>第二级</a:t>
             </a:r>
           </a:p>
           <a:p>
             <a:pPr lvl="2"/>
             <a:r>
-              <a:rPr lang="zh-CN" altLang="en-US" smtClean="0"/>
+              <a:rPr lang="zh-CN" altLang="en-US"/>
               <a:t>第三级</a:t>
             </a:r>
           </a:p>
           <a:p>
             <a:pPr lvl="3"/>
             <a:r>
-              <a:rPr lang="zh-CN" altLang="en-US" smtClean="0"/>
+              <a:rPr lang="zh-CN" altLang="en-US"/>
               <a:t>第四级</a:t>
             </a:r>
           </a:p>
           <a:p>
             <a:pPr lvl="4"/>
             <a:r>
-              <a:rPr lang="zh-CN" altLang="en-US" smtClean="0"/>
+              <a:rPr lang="zh-CN" altLang="en-US"/>
               <a:t>第五级</a:t>
             </a:r>
-            <a:endParaRPr lang="zh-CN" altLang="en-US"/>
           </a:p>
         </p:txBody>
       </p:sp>
@@ -682,10 +681,9 @@
           </a:lstStyle>
           <a:p>
             <a:r>
-              <a:rPr lang="zh-CN" altLang="en-US" smtClean="0"/>
+              <a:rPr lang="zh-CN" altLang="en-US"/>
               <a:t>单击此处编辑母版标题样式</a:t>
             </a:r>
-            <a:endParaRPr lang="zh-CN" altLang="en-US"/>
           </a:p>
         </p:txBody>
       </p:sp>
@@ -747,10 +745,9 @@
           </a:lstStyle>
           <a:p>
             <a:r>
-              <a:rPr lang="zh-CN" altLang="en-US" smtClean="0"/>
+              <a:rPr lang="zh-CN" altLang="en-US"/>
               <a:t>单击此处编辑母版副标题样式</a:t>
             </a:r>
-            <a:endParaRPr lang="zh-CN" altLang="en-US"/>
           </a:p>
         </p:txBody>
       </p:sp>
@@ -771,7 +768,7 @@
           <a:p>
             <a:fld id="{A5947669-4CB4-44E7-B6CB-6C81B249D57C}" type="datetime1">
               <a:rPr lang="zh-CN" altLang="en-US" smtClean="0"/>
-              <a:t>2023/11/16</a:t>
+              <a:t>2023/11/25</a:t>
             </a:fld>
             <a:endParaRPr lang="zh-CN" altLang="en-US"/>
           </a:p>
@@ -865,10 +862,9 @@
           <a:lstStyle/>
           <a:p>
             <a:r>
-              <a:rPr lang="zh-CN" altLang="en-US" smtClean="0"/>
+              <a:rPr lang="zh-CN" altLang="en-US"/>
               <a:t>单击此处编辑母版标题样式</a:t>
             </a:r>
-            <a:endParaRPr lang="zh-CN" altLang="en-US"/>
           </a:p>
         </p:txBody>
       </p:sp>
@@ -889,38 +885,37 @@
           <a:p>
             <a:pPr lvl="0"/>
             <a:r>
-              <a:rPr lang="zh-CN" altLang="en-US" smtClean="0"/>
+              <a:rPr lang="zh-CN" altLang="en-US"/>
               <a:t>单击此处编辑母版文本样式</a:t>
             </a:r>
           </a:p>
           <a:p>
             <a:pPr lvl="1"/>
             <a:r>
-              <a:rPr lang="zh-CN" altLang="en-US" smtClean="0"/>
+              <a:rPr lang="zh-CN" altLang="en-US"/>
               <a:t>第二级</a:t>
             </a:r>
           </a:p>
           <a:p>
             <a:pPr lvl="2"/>
             <a:r>
-              <a:rPr lang="zh-CN" altLang="en-US" smtClean="0"/>
+              <a:rPr lang="zh-CN" altLang="en-US"/>
               <a:t>第三级</a:t>
             </a:r>
           </a:p>
           <a:p>
             <a:pPr lvl="3"/>
             <a:r>
-              <a:rPr lang="zh-CN" altLang="en-US" smtClean="0"/>
+              <a:rPr lang="zh-CN" altLang="en-US"/>
               <a:t>第四级</a:t>
             </a:r>
           </a:p>
           <a:p>
             <a:pPr lvl="4"/>
             <a:r>
-              <a:rPr lang="zh-CN" altLang="en-US" smtClean="0"/>
+              <a:rPr lang="zh-CN" altLang="en-US"/>
               <a:t>第五级</a:t>
             </a:r>
-            <a:endParaRPr lang="zh-CN" altLang="en-US"/>
           </a:p>
         </p:txBody>
       </p:sp>
@@ -941,7 +936,7 @@
           <a:p>
             <a:fld id="{FC7FCCD7-3F05-4CC2-BD41-B1CFFCDB4267}" type="datetime1">
               <a:rPr lang="zh-CN" altLang="en-US" smtClean="0"/>
-              <a:t>2023/11/16</a:t>
+              <a:t>2023/11/25</a:t>
             </a:fld>
             <a:endParaRPr lang="zh-CN" altLang="en-US"/>
           </a:p>
@@ -1040,10 +1035,9 @@
           <a:lstStyle/>
           <a:p>
             <a:r>
-              <a:rPr lang="zh-CN" altLang="en-US" smtClean="0"/>
+              <a:rPr lang="zh-CN" altLang="en-US"/>
               <a:t>单击此处编辑母版标题样式</a:t>
             </a:r>
-            <a:endParaRPr lang="zh-CN" altLang="en-US"/>
           </a:p>
         </p:txBody>
       </p:sp>
@@ -1069,38 +1063,37 @@
           <a:p>
             <a:pPr lvl="0"/>
             <a:r>
-              <a:rPr lang="zh-CN" altLang="en-US" smtClean="0"/>
+              <a:rPr lang="zh-CN" altLang="en-US"/>
               <a:t>单击此处编辑母版文本样式</a:t>
             </a:r>
           </a:p>
           <a:p>
             <a:pPr lvl="1"/>
             <a:r>
-              <a:rPr lang="zh-CN" altLang="en-US" smtClean="0"/>
+              <a:rPr lang="zh-CN" altLang="en-US"/>
               <a:t>第二级</a:t>
             </a:r>
           </a:p>
           <a:p>
             <a:pPr lvl="2"/>
             <a:r>
-              <a:rPr lang="zh-CN" altLang="en-US" smtClean="0"/>
+              <a:rPr lang="zh-CN" altLang="en-US"/>
               <a:t>第三级</a:t>
             </a:r>
           </a:p>
           <a:p>
             <a:pPr lvl="3"/>
             <a:r>
-              <a:rPr lang="zh-CN" altLang="en-US" smtClean="0"/>
+              <a:rPr lang="zh-CN" altLang="en-US"/>
               <a:t>第四级</a:t>
             </a:r>
           </a:p>
           <a:p>
             <a:pPr lvl="4"/>
             <a:r>
-              <a:rPr lang="zh-CN" altLang="en-US" smtClean="0"/>
+              <a:rPr lang="zh-CN" altLang="en-US"/>
               <a:t>第五级</a:t>
             </a:r>
-            <a:endParaRPr lang="zh-CN" altLang="en-US"/>
           </a:p>
         </p:txBody>
       </p:sp>
@@ -1121,7 +1114,7 @@
           <a:p>
             <a:fld id="{806D9223-E90D-454B-B754-1BA38BC5F5CB}" type="datetime1">
               <a:rPr lang="zh-CN" altLang="en-US" smtClean="0"/>
-              <a:t>2023/11/16</a:t>
+              <a:t>2023/11/25</a:t>
             </a:fld>
             <a:endParaRPr lang="zh-CN" altLang="en-US"/>
           </a:p>
@@ -1229,10 +1222,9 @@
           </a:lstStyle>
           <a:p>
             <a:r>
-              <a:rPr lang="zh-CN" altLang="en-US" dirty="0" smtClean="0"/>
+              <a:rPr lang="zh-CN" altLang="en-US" dirty="0"/>
               <a:t>单击此处编辑母版标题样式</a:t>
             </a:r>
-            <a:endParaRPr lang="zh-CN" altLang="en-US" dirty="0"/>
           </a:p>
         </p:txBody>
       </p:sp>
@@ -1317,38 +1309,37 @@
           <a:p>
             <a:pPr lvl="0"/>
             <a:r>
-              <a:rPr lang="zh-CN" altLang="en-US" dirty="0" smtClean="0"/>
+              <a:rPr lang="zh-CN" altLang="en-US" dirty="0"/>
               <a:t>单击此处编辑母版文本样式</a:t>
             </a:r>
           </a:p>
           <a:p>
             <a:pPr lvl="1"/>
             <a:r>
-              <a:rPr lang="zh-CN" altLang="en-US" dirty="0" smtClean="0"/>
+              <a:rPr lang="zh-CN" altLang="en-US" dirty="0"/>
               <a:t>第二级</a:t>
             </a:r>
           </a:p>
           <a:p>
             <a:pPr lvl="2"/>
             <a:r>
-              <a:rPr lang="zh-CN" altLang="en-US" dirty="0" smtClean="0"/>
+              <a:rPr lang="zh-CN" altLang="en-US" dirty="0"/>
               <a:t>第三级</a:t>
             </a:r>
           </a:p>
           <a:p>
             <a:pPr lvl="3"/>
             <a:r>
-              <a:rPr lang="zh-CN" altLang="en-US" dirty="0" smtClean="0"/>
+              <a:rPr lang="zh-CN" altLang="en-US" dirty="0"/>
               <a:t>第四级</a:t>
             </a:r>
           </a:p>
           <a:p>
             <a:pPr lvl="4"/>
             <a:r>
-              <a:rPr lang="zh-CN" altLang="en-US" dirty="0" smtClean="0"/>
+              <a:rPr lang="zh-CN" altLang="en-US" dirty="0"/>
               <a:t>第五级</a:t>
             </a:r>
-            <a:endParaRPr lang="zh-CN" altLang="en-US" dirty="0"/>
           </a:p>
         </p:txBody>
       </p:sp>
@@ -1369,7 +1360,7 @@
           <a:p>
             <a:fld id="{BE1C8CC9-4D19-481A-92CA-8BB664932308}" type="datetime1">
               <a:rPr lang="zh-CN" altLang="en-US" smtClean="0"/>
-              <a:t>2023/11/16</a:t>
+              <a:t>2023/11/25</a:t>
             </a:fld>
             <a:endParaRPr lang="zh-CN" altLang="en-US"/>
           </a:p>
@@ -1427,13 +1418,6 @@
   <p:clrMapOvr>
     <a:masterClrMapping/>
   </p:clrMapOvr>
-  <p:timing>
-    <p:tnLst>
-      <p:par>
-        <p:cTn id="1" dur="indefinite" restart="never" nodeType="tmRoot"/>
-      </p:par>
-    </p:tnLst>
-  </p:timing>
 </p:sldLayout>
 </file>
 
@@ -1479,10 +1463,9 @@
           </a:lstStyle>
           <a:p>
             <a:r>
-              <a:rPr lang="zh-CN" altLang="en-US" smtClean="0"/>
+              <a:rPr lang="zh-CN" altLang="en-US"/>
               <a:t>单击此处编辑母版标题样式</a:t>
             </a:r>
-            <a:endParaRPr lang="zh-CN" altLang="en-US"/>
           </a:p>
         </p:txBody>
       </p:sp>
@@ -1599,7 +1582,7 @@
           <a:p>
             <a:pPr lvl="0"/>
             <a:r>
-              <a:rPr lang="zh-CN" altLang="en-US" smtClean="0"/>
+              <a:rPr lang="zh-CN" altLang="en-US"/>
               <a:t>单击此处编辑母版文本样式</a:t>
             </a:r>
           </a:p>
@@ -1622,7 +1605,7 @@
           <a:p>
             <a:fld id="{277DB9C9-E5E6-4211-A3BA-16A7F150A44B}" type="datetime1">
               <a:rPr lang="zh-CN" altLang="en-US" smtClean="0"/>
-              <a:t>2023/11/16</a:t>
+              <a:t>2023/11/25</a:t>
             </a:fld>
             <a:endParaRPr lang="zh-CN" altLang="en-US"/>
           </a:p>
@@ -1716,10 +1699,9 @@
           <a:lstStyle/>
           <a:p>
             <a:r>
-              <a:rPr lang="zh-CN" altLang="en-US" smtClean="0"/>
+              <a:rPr lang="zh-CN" altLang="en-US"/>
               <a:t>单击此处编辑母版标题样式</a:t>
             </a:r>
-            <a:endParaRPr lang="zh-CN" altLang="en-US"/>
           </a:p>
         </p:txBody>
       </p:sp>
@@ -1745,38 +1727,37 @@
           <a:p>
             <a:pPr lvl="0"/>
             <a:r>
-              <a:rPr lang="zh-CN" altLang="en-US" smtClean="0"/>
+              <a:rPr lang="zh-CN" altLang="en-US"/>
               <a:t>单击此处编辑母版文本样式</a:t>
             </a:r>
           </a:p>
           <a:p>
             <a:pPr lvl="1"/>
             <a:r>
-              <a:rPr lang="zh-CN" altLang="en-US" smtClean="0"/>
+              <a:rPr lang="zh-CN" altLang="en-US"/>
               <a:t>第二级</a:t>
             </a:r>
           </a:p>
           <a:p>
             <a:pPr lvl="2"/>
             <a:r>
-              <a:rPr lang="zh-CN" altLang="en-US" smtClean="0"/>
+              <a:rPr lang="zh-CN" altLang="en-US"/>
               <a:t>第三级</a:t>
             </a:r>
           </a:p>
           <a:p>
             <a:pPr lvl="3"/>
             <a:r>
-              <a:rPr lang="zh-CN" altLang="en-US" smtClean="0"/>
+              <a:rPr lang="zh-CN" altLang="en-US"/>
               <a:t>第四级</a:t>
             </a:r>
           </a:p>
           <a:p>
             <a:pPr lvl="4"/>
             <a:r>
-              <a:rPr lang="zh-CN" altLang="en-US" smtClean="0"/>
+              <a:rPr lang="zh-CN" altLang="en-US"/>
               <a:t>第五级</a:t>
             </a:r>
-            <a:endParaRPr lang="zh-CN" altLang="en-US"/>
           </a:p>
         </p:txBody>
       </p:sp>
@@ -1802,38 +1783,37 @@
           <a:p>
             <a:pPr lvl="0"/>
             <a:r>
-              <a:rPr lang="zh-CN" altLang="en-US" smtClean="0"/>
+              <a:rPr lang="zh-CN" altLang="en-US"/>
               <a:t>单击此处编辑母版文本样式</a:t>
             </a:r>
           </a:p>
           <a:p>
             <a:pPr lvl="1"/>
             <a:r>
-              <a:rPr lang="zh-CN" altLang="en-US" smtClean="0"/>
+              <a:rPr lang="zh-CN" altLang="en-US"/>
               <a:t>第二级</a:t>
             </a:r>
           </a:p>
           <a:p>
             <a:pPr lvl="2"/>
             <a:r>
-              <a:rPr lang="zh-CN" altLang="en-US" smtClean="0"/>
+              <a:rPr lang="zh-CN" altLang="en-US"/>
               <a:t>第三级</a:t>
             </a:r>
           </a:p>
           <a:p>
             <a:pPr lvl="3"/>
             <a:r>
-              <a:rPr lang="zh-CN" altLang="en-US" smtClean="0"/>
+              <a:rPr lang="zh-CN" altLang="en-US"/>
               <a:t>第四级</a:t>
             </a:r>
           </a:p>
           <a:p>
             <a:pPr lvl="4"/>
             <a:r>
-              <a:rPr lang="zh-CN" altLang="en-US" smtClean="0"/>
+              <a:rPr lang="zh-CN" altLang="en-US"/>
               <a:t>第五级</a:t>
             </a:r>
-            <a:endParaRPr lang="zh-CN" altLang="en-US"/>
           </a:p>
         </p:txBody>
       </p:sp>
@@ -1854,7 +1834,7 @@
           <a:p>
             <a:fld id="{CA4D9A67-A546-41C7-8097-CB46C29922CD}" type="datetime1">
               <a:rPr lang="zh-CN" altLang="en-US" smtClean="0"/>
-              <a:t>2023/11/16</a:t>
+              <a:t>2023/11/25</a:t>
             </a:fld>
             <a:endParaRPr lang="zh-CN" altLang="en-US"/>
           </a:p>
@@ -1953,10 +1933,9 @@
           <a:lstStyle/>
           <a:p>
             <a:r>
-              <a:rPr lang="zh-CN" altLang="en-US" smtClean="0"/>
+              <a:rPr lang="zh-CN" altLang="en-US"/>
               <a:t>单击此处编辑母版标题样式</a:t>
             </a:r>
-            <a:endParaRPr lang="zh-CN" altLang="en-US"/>
           </a:p>
         </p:txBody>
       </p:sp>
@@ -2019,7 +1998,7 @@
           <a:p>
             <a:pPr lvl="0"/>
             <a:r>
-              <a:rPr lang="zh-CN" altLang="en-US" smtClean="0"/>
+              <a:rPr lang="zh-CN" altLang="en-US"/>
               <a:t>单击此处编辑母版文本样式</a:t>
             </a:r>
           </a:p>
@@ -2047,38 +2026,37 @@
           <a:p>
             <a:pPr lvl="0"/>
             <a:r>
-              <a:rPr lang="zh-CN" altLang="en-US" smtClean="0"/>
+              <a:rPr lang="zh-CN" altLang="en-US"/>
               <a:t>单击此处编辑母版文本样式</a:t>
             </a:r>
           </a:p>
           <a:p>
             <a:pPr lvl="1"/>
             <a:r>
-              <a:rPr lang="zh-CN" altLang="en-US" smtClean="0"/>
+              <a:rPr lang="zh-CN" altLang="en-US"/>
               <a:t>第二级</a:t>
             </a:r>
           </a:p>
           <a:p>
             <a:pPr lvl="2"/>
             <a:r>
-              <a:rPr lang="zh-CN" altLang="en-US" smtClean="0"/>
+              <a:rPr lang="zh-CN" altLang="en-US"/>
               <a:t>第三级</a:t>
             </a:r>
           </a:p>
           <a:p>
             <a:pPr lvl="3"/>
             <a:r>
-              <a:rPr lang="zh-CN" altLang="en-US" smtClean="0"/>
+              <a:rPr lang="zh-CN" altLang="en-US"/>
               <a:t>第四级</a:t>
             </a:r>
           </a:p>
           <a:p>
             <a:pPr lvl="4"/>
             <a:r>
-              <a:rPr lang="zh-CN" altLang="en-US" smtClean="0"/>
+              <a:rPr lang="zh-CN" altLang="en-US"/>
               <a:t>第五级</a:t>
             </a:r>
-            <a:endParaRPr lang="zh-CN" altLang="en-US"/>
           </a:p>
         </p:txBody>
       </p:sp>
@@ -2141,7 +2119,7 @@
           <a:p>
             <a:pPr lvl="0"/>
             <a:r>
-              <a:rPr lang="zh-CN" altLang="en-US" smtClean="0"/>
+              <a:rPr lang="zh-CN" altLang="en-US"/>
               <a:t>单击此处编辑母版文本样式</a:t>
             </a:r>
           </a:p>
@@ -2169,38 +2147,37 @@
           <a:p>
             <a:pPr lvl="0"/>
             <a:r>
-              <a:rPr lang="zh-CN" altLang="en-US" smtClean="0"/>
+              <a:rPr lang="zh-CN" altLang="en-US"/>
               <a:t>单击此处编辑母版文本样式</a:t>
             </a:r>
           </a:p>
           <a:p>
             <a:pPr lvl="1"/>
             <a:r>
-              <a:rPr lang="zh-CN" altLang="en-US" smtClean="0"/>
+              <a:rPr lang="zh-CN" altLang="en-US"/>
               <a:t>第二级</a:t>
             </a:r>
           </a:p>
           <a:p>
             <a:pPr lvl="2"/>
             <a:r>
-              <a:rPr lang="zh-CN" altLang="en-US" smtClean="0"/>
+              <a:rPr lang="zh-CN" altLang="en-US"/>
               <a:t>第三级</a:t>
             </a:r>
           </a:p>
           <a:p>
             <a:pPr lvl="3"/>
             <a:r>
-              <a:rPr lang="zh-CN" altLang="en-US" smtClean="0"/>
+              <a:rPr lang="zh-CN" altLang="en-US"/>
               <a:t>第四级</a:t>
             </a:r>
           </a:p>
           <a:p>
             <a:pPr lvl="4"/>
             <a:r>
-              <a:rPr lang="zh-CN" altLang="en-US" smtClean="0"/>
+              <a:rPr lang="zh-CN" altLang="en-US"/>
               <a:t>第五级</a:t>
             </a:r>
-            <a:endParaRPr lang="zh-CN" altLang="en-US"/>
           </a:p>
         </p:txBody>
       </p:sp>
@@ -2221,7 +2198,7 @@
           <a:p>
             <a:fld id="{10889181-CE96-4AE2-AE5D-8F2C8C2C5090}" type="datetime1">
               <a:rPr lang="zh-CN" altLang="en-US" smtClean="0"/>
-              <a:t>2023/11/16</a:t>
+              <a:t>2023/11/25</a:t>
             </a:fld>
             <a:endParaRPr lang="zh-CN" altLang="en-US"/>
           </a:p>
@@ -2315,10 +2292,9 @@
           <a:lstStyle/>
           <a:p>
             <a:r>
-              <a:rPr lang="zh-CN" altLang="en-US" smtClean="0"/>
+              <a:rPr lang="zh-CN" altLang="en-US"/>
               <a:t>单击此处编辑母版标题样式</a:t>
             </a:r>
-            <a:endParaRPr lang="zh-CN" altLang="en-US"/>
           </a:p>
         </p:txBody>
       </p:sp>
@@ -2339,7 +2315,7 @@
           <a:p>
             <a:fld id="{C8EE4DC0-39D7-4373-BD19-C060FA2A7969}" type="datetime1">
               <a:rPr lang="zh-CN" altLang="en-US" smtClean="0"/>
-              <a:t>2023/11/16</a:t>
+              <a:t>2023/11/25</a:t>
             </a:fld>
             <a:endParaRPr lang="zh-CN" altLang="en-US"/>
           </a:p>
@@ -2434,7 +2410,7 @@
           <a:p>
             <a:fld id="{19A80359-8B24-4864-B8F7-84C50A900922}" type="datetime1">
               <a:rPr lang="zh-CN" altLang="en-US" smtClean="0"/>
-              <a:t>2023/11/16</a:t>
+              <a:t>2023/11/25</a:t>
             </a:fld>
             <a:endParaRPr lang="zh-CN" altLang="en-US"/>
           </a:p>
@@ -2537,10 +2513,9 @@
           </a:lstStyle>
           <a:p>
             <a:r>
-              <a:rPr lang="zh-CN" altLang="en-US" smtClean="0"/>
+              <a:rPr lang="zh-CN" altLang="en-US"/>
               <a:t>单击此处编辑母版标题样式</a:t>
             </a:r>
-            <a:endParaRPr lang="zh-CN" altLang="en-US"/>
           </a:p>
         </p:txBody>
       </p:sp>
@@ -2594,38 +2569,37 @@
           <a:p>
             <a:pPr lvl="0"/>
             <a:r>
-              <a:rPr lang="zh-CN" altLang="en-US" smtClean="0"/>
+              <a:rPr lang="zh-CN" altLang="en-US"/>
               <a:t>单击此处编辑母版文本样式</a:t>
             </a:r>
           </a:p>
           <a:p>
             <a:pPr lvl="1"/>
             <a:r>
-              <a:rPr lang="zh-CN" altLang="en-US" smtClean="0"/>
+              <a:rPr lang="zh-CN" altLang="en-US"/>
               <a:t>第二级</a:t>
             </a:r>
           </a:p>
           <a:p>
             <a:pPr lvl="2"/>
             <a:r>
-              <a:rPr lang="zh-CN" altLang="en-US" smtClean="0"/>
+              <a:rPr lang="zh-CN" altLang="en-US"/>
               <a:t>第三级</a:t>
             </a:r>
           </a:p>
           <a:p>
             <a:pPr lvl="3"/>
             <a:r>
-              <a:rPr lang="zh-CN" altLang="en-US" smtClean="0"/>
+              <a:rPr lang="zh-CN" altLang="en-US"/>
               <a:t>第四级</a:t>
             </a:r>
           </a:p>
           <a:p>
             <a:pPr lvl="4"/>
             <a:r>
-              <a:rPr lang="zh-CN" altLang="en-US" smtClean="0"/>
+              <a:rPr lang="zh-CN" altLang="en-US"/>
               <a:t>第五级</a:t>
             </a:r>
-            <a:endParaRPr lang="zh-CN" altLang="en-US"/>
           </a:p>
         </p:txBody>
       </p:sp>
@@ -2688,7 +2662,7 @@
           <a:p>
             <a:pPr lvl="0"/>
             <a:r>
-              <a:rPr lang="zh-CN" altLang="en-US" smtClean="0"/>
+              <a:rPr lang="zh-CN" altLang="en-US"/>
               <a:t>单击此处编辑母版文本样式</a:t>
             </a:r>
           </a:p>
@@ -2711,7 +2685,7 @@
           <a:p>
             <a:fld id="{3C77DDC2-01CC-4F07-8D50-1F54E3F639DC}" type="datetime1">
               <a:rPr lang="zh-CN" altLang="en-US" smtClean="0"/>
-              <a:t>2023/11/16</a:t>
+              <a:t>2023/11/25</a:t>
             </a:fld>
             <a:endParaRPr lang="zh-CN" altLang="en-US"/>
           </a:p>
@@ -2814,10 +2788,9 @@
           </a:lstStyle>
           <a:p>
             <a:r>
-              <a:rPr lang="zh-CN" altLang="en-US" smtClean="0"/>
+              <a:rPr lang="zh-CN" altLang="en-US"/>
               <a:t>单击此处编辑母版标题样式</a:t>
             </a:r>
-            <a:endParaRPr lang="zh-CN" altLang="en-US"/>
           </a:p>
         </p:txBody>
       </p:sp>
@@ -2941,7 +2914,7 @@
           <a:p>
             <a:pPr lvl="0"/>
             <a:r>
-              <a:rPr lang="zh-CN" altLang="en-US" smtClean="0"/>
+              <a:rPr lang="zh-CN" altLang="en-US"/>
               <a:t>单击此处编辑母版文本样式</a:t>
             </a:r>
           </a:p>
@@ -2964,7 +2937,7 @@
           <a:p>
             <a:fld id="{1C74A380-5BFD-4691-A419-62D7C046E0C8}" type="datetime1">
               <a:rPr lang="zh-CN" altLang="en-US" smtClean="0"/>
-              <a:t>2023/11/16</a:t>
+              <a:t>2023/11/25</a:t>
             </a:fld>
             <a:endParaRPr lang="zh-CN" altLang="en-US"/>
           </a:p>
@@ -3073,10 +3046,9 @@
           <a:lstStyle/>
           <a:p>
             <a:r>
-              <a:rPr lang="zh-CN" altLang="en-US" smtClean="0"/>
+              <a:rPr lang="zh-CN" altLang="en-US"/>
               <a:t>单击此处编辑母版标题样式</a:t>
             </a:r>
-            <a:endParaRPr lang="zh-CN" altLang="en-US"/>
           </a:p>
         </p:txBody>
       </p:sp>
@@ -3107,38 +3079,37 @@
           <a:p>
             <a:pPr lvl="0"/>
             <a:r>
-              <a:rPr lang="zh-CN" altLang="en-US" smtClean="0"/>
+              <a:rPr lang="zh-CN" altLang="en-US"/>
               <a:t>单击此处编辑母版文本样式</a:t>
             </a:r>
           </a:p>
           <a:p>
             <a:pPr lvl="1"/>
             <a:r>
-              <a:rPr lang="zh-CN" altLang="en-US" smtClean="0"/>
+              <a:rPr lang="zh-CN" altLang="en-US"/>
               <a:t>第二级</a:t>
             </a:r>
           </a:p>
           <a:p>
             <a:pPr lvl="2"/>
             <a:r>
-              <a:rPr lang="zh-CN" altLang="en-US" smtClean="0"/>
+              <a:rPr lang="zh-CN" altLang="en-US"/>
               <a:t>第三级</a:t>
             </a:r>
           </a:p>
           <a:p>
             <a:pPr lvl="3"/>
             <a:r>
-              <a:rPr lang="zh-CN" altLang="en-US" smtClean="0"/>
+              <a:rPr lang="zh-CN" altLang="en-US"/>
               <a:t>第四级</a:t>
             </a:r>
           </a:p>
           <a:p>
             <a:pPr lvl="4"/>
             <a:r>
-              <a:rPr lang="zh-CN" altLang="en-US" smtClean="0"/>
+              <a:rPr lang="zh-CN" altLang="en-US"/>
               <a:t>第五级</a:t>
             </a:r>
-            <a:endParaRPr lang="zh-CN" altLang="en-US"/>
           </a:p>
         </p:txBody>
       </p:sp>
@@ -3177,7 +3148,7 @@
           <a:p>
             <a:fld id="{6B43D66F-3A6C-4AF4-B58D-2BC2B40F5FC5}" type="datetime1">
               <a:rPr lang="zh-CN" altLang="en-US" smtClean="0"/>
-              <a:t>2023/11/16</a:t>
+              <a:t>2023/11/25</a:t>
             </a:fld>
             <a:endParaRPr lang="zh-CN" altLang="en-US"/>
           </a:p>
@@ -3619,39 +3590,31 @@
               </a:spcBef>
             </a:pPr>
             <a:r>
-              <a:rPr lang="zh-CN" altLang="en-US" sz="4400" b="1" dirty="0" smtClean="0">
+              <a:rPr lang="zh-CN" altLang="en-US" sz="4400" b="1" dirty="0">
                 <a:latin typeface="黑体" panose="02010609060101010101" pitchFamily="49" charset="-122"/>
                 <a:ea typeface="黑体" panose="02010609060101010101" pitchFamily="49" charset="-122"/>
               </a:rPr>
               <a:t>自然语言处理</a:t>
             </a:r>
-            <a:r>
-              <a:rPr lang="en-US" altLang="zh-CN" sz="3600" b="1" dirty="0" smtClean="0"/>
-              <a:t/>
-            </a:r>
             <a:br>
-              <a:rPr lang="en-US" altLang="zh-CN" sz="3600" b="1" dirty="0" smtClean="0"/>
+              <a:rPr lang="en-US" altLang="zh-CN" sz="3600" b="1" dirty="0"/>
             </a:br>
             <a:r>
-              <a:rPr lang="en-US" altLang="zh-CN" sz="2800" dirty="0" smtClean="0">
+              <a:rPr lang="en-US" altLang="zh-CN" sz="2800" dirty="0">
                 <a:latin typeface="微软雅黑" panose="020B0503020204020204" pitchFamily="34" charset="-122"/>
                 <a:ea typeface="微软雅黑" panose="020B0503020204020204" pitchFamily="34" charset="-122"/>
               </a:rPr>
               <a:t>2023</a:t>
             </a:r>
             <a:r>
-              <a:rPr lang="zh-CN" altLang="en-US" sz="2800" dirty="0" smtClean="0">
+              <a:rPr lang="zh-CN" altLang="en-US" sz="2800" dirty="0">
                 <a:latin typeface="微软雅黑" panose="020B0503020204020204" pitchFamily="34" charset="-122"/>
                 <a:ea typeface="微软雅黑" panose="020B0503020204020204" pitchFamily="34" charset="-122"/>
               </a:rPr>
               <a:t>年秋季</a:t>
             </a:r>
-            <a:r>
-              <a:rPr lang="en-US" altLang="zh-CN" sz="3600" b="1" dirty="0" smtClean="0"/>
-              <a:t/>
-            </a:r>
             <a:br>
-              <a:rPr lang="en-US" altLang="zh-CN" sz="3600" b="1" dirty="0" smtClean="0"/>
+              <a:rPr lang="en-US" altLang="zh-CN" sz="3600" b="1" dirty="0"/>
             </a:br>
             <a:endParaRPr lang="zh-CN" altLang="en-US" sz="3200" b="1" dirty="0">
               <a:solidFill>
@@ -3849,24 +3812,20 @@
           <a:p>
             <a:r>
               <a:rPr lang="zh-CN" altLang="en-US" sz="3200" b="1" dirty="0"/>
-              <a:t>黄河</a:t>
-            </a:r>
-            <a:r>
-              <a:rPr lang="zh-CN" altLang="en-US" sz="3200" b="1" dirty="0" smtClean="0"/>
-              <a:t>燕、鉴萍</a:t>
-            </a:r>
-            <a:endParaRPr lang="en-US" altLang="zh-CN" sz="3200" b="1" dirty="0" smtClean="0"/>
-          </a:p>
-          <a:p>
-            <a:r>
-              <a:rPr lang="zh-CN" altLang="en-US" sz="2800" b="1" dirty="0" smtClean="0"/>
+              <a:t>黄河燕、鉴萍</a:t>
+            </a:r>
+            <a:endParaRPr lang="en-US" altLang="zh-CN" sz="3200" b="1" dirty="0"/>
+          </a:p>
+          <a:p>
+            <a:r>
+              <a:rPr lang="zh-CN" altLang="en-US" sz="2800" b="1" dirty="0"/>
               <a:t>北京理工大学 计算机学院</a:t>
             </a:r>
-            <a:endParaRPr lang="en-US" altLang="zh-CN" sz="2800" b="1" dirty="0" smtClean="0"/>
-          </a:p>
-          <a:p>
-            <a:r>
-              <a:rPr lang="en-US" altLang="zh-CN" sz="2800" b="1" dirty="0" smtClean="0"/>
+            <a:endParaRPr lang="en-US" altLang="zh-CN" sz="2800" b="1" dirty="0"/>
+          </a:p>
+          <a:p>
+            <a:r>
+              <a:rPr lang="en-US" altLang="zh-CN" sz="2800" b="1" dirty="0"/>
               <a:t>hhy3, pjian@bit.edu.cn</a:t>
             </a:r>
             <a:endParaRPr lang="zh-CN" altLang="en-US" sz="2400" b="1" dirty="0"/>
@@ -3883,13 +3842,6 @@
   <p:clrMapOvr>
     <a:masterClrMapping/>
   </p:clrMapOvr>
-  <p:timing>
-    <p:tnLst>
-      <p:par>
-        <p:cTn id="1" dur="indefinite" restart="never" nodeType="tmRoot"/>
-      </p:par>
-    </p:tnLst>
-  </p:timing>
 </p:sld>
 </file>
 
@@ -3941,40 +3893,25 @@
               </a:spcBef>
             </a:pPr>
             <a:r>
-              <a:rPr lang="zh-CN" altLang="en-US" sz="4400" b="1" dirty="0" smtClean="0">
-                <a:latin typeface="黑体" panose="02010609060101010101" pitchFamily="49" charset="-122"/>
-                <a:ea typeface="黑体" panose="02010609060101010101" pitchFamily="49" charset="-122"/>
-              </a:rPr>
-              <a:t>实践作业</a:t>
-            </a:r>
-            <a:r>
               <a:rPr lang="zh-CN" altLang="en-US" sz="4400" b="1" dirty="0">
                 <a:latin typeface="黑体" panose="02010609060101010101" pitchFamily="49" charset="-122"/>
                 <a:ea typeface="黑体" panose="02010609060101010101" pitchFamily="49" charset="-122"/>
               </a:rPr>
-              <a:t>二</a:t>
-            </a:r>
-            <a:r>
-              <a:rPr lang="en-US" altLang="zh-CN" sz="3600" b="1" dirty="0" smtClean="0"/>
-              <a:t/>
+              <a:t>实践作业二</a:t>
             </a:r>
             <a:br>
-              <a:rPr lang="en-US" altLang="zh-CN" sz="3600" b="1" dirty="0" smtClean="0"/>
+              <a:rPr lang="en-US" altLang="zh-CN" sz="3600" b="1" dirty="0"/>
             </a:br>
             <a:r>
-              <a:rPr lang="en-US" altLang="zh-CN" sz="3600" b="1" dirty="0" smtClean="0"/>
+              <a:rPr lang="en-US" altLang="zh-CN" sz="3600" b="1" dirty="0"/>
               <a:t>16</a:t>
             </a:r>
             <a:r>
-              <a:rPr lang="zh-CN" altLang="en-US" sz="3600" b="1" dirty="0" smtClean="0"/>
+              <a:rPr lang="zh-CN" altLang="en-US" sz="3600" b="1" dirty="0"/>
               <a:t>分</a:t>
             </a:r>
-            <a:r>
-              <a:rPr lang="en-US" altLang="zh-CN" sz="3600" b="1" dirty="0" smtClean="0"/>
-              <a:t/>
-            </a:r>
             <a:br>
-              <a:rPr lang="en-US" altLang="zh-CN" sz="3600" b="1" dirty="0" smtClean="0"/>
+              <a:rPr lang="en-US" altLang="zh-CN" sz="3600" b="1" dirty="0"/>
             </a:br>
             <a:endParaRPr lang="zh-CN" altLang="en-US" sz="3200" b="1" dirty="0">
               <a:solidFill>
@@ -4172,24 +4109,20 @@
           <a:p>
             <a:r>
               <a:rPr lang="zh-CN" altLang="en-US" sz="3200" b="1" dirty="0"/>
-              <a:t>黄河</a:t>
-            </a:r>
-            <a:r>
-              <a:rPr lang="zh-CN" altLang="en-US" sz="3200" b="1" dirty="0" smtClean="0"/>
-              <a:t>燕、鉴萍</a:t>
-            </a:r>
-            <a:endParaRPr lang="en-US" altLang="zh-CN" sz="3200" b="1" dirty="0" smtClean="0"/>
-          </a:p>
-          <a:p>
-            <a:r>
-              <a:rPr lang="zh-CN" altLang="en-US" sz="2800" b="1" dirty="0" smtClean="0"/>
+              <a:t>黄河燕、鉴萍</a:t>
+            </a:r>
+            <a:endParaRPr lang="en-US" altLang="zh-CN" sz="3200" b="1" dirty="0"/>
+          </a:p>
+          <a:p>
+            <a:r>
+              <a:rPr lang="zh-CN" altLang="en-US" sz="2800" b="1" dirty="0"/>
               <a:t>北京理工大学 计算机学院</a:t>
             </a:r>
-            <a:endParaRPr lang="en-US" altLang="zh-CN" sz="2800" b="1" dirty="0" smtClean="0"/>
-          </a:p>
-          <a:p>
-            <a:r>
-              <a:rPr lang="en-US" altLang="zh-CN" sz="2800" b="1" dirty="0" smtClean="0"/>
+            <a:endParaRPr lang="en-US" altLang="zh-CN" sz="2800" b="1" dirty="0"/>
+          </a:p>
+          <a:p>
+            <a:r>
+              <a:rPr lang="en-US" altLang="zh-CN" sz="2800" b="1" dirty="0"/>
               <a:t>hhy63, pjian@bit.edu.cn</a:t>
             </a:r>
             <a:endParaRPr lang="zh-CN" altLang="en-US" sz="2400" b="1" dirty="0"/>
@@ -4206,13 +4139,6 @@
   <p:clrMapOvr>
     <a:masterClrMapping/>
   </p:clrMapOvr>
-  <p:timing>
-    <p:tnLst>
-      <p:par>
-        <p:cTn id="1" dur="indefinite" restart="never" nodeType="tmRoot"/>
-      </p:par>
-    </p:tnLst>
-  </p:timing>
 </p:sld>
 </file>
 
@@ -4250,13 +4176,8 @@
           <a:p>
             <a:r>
               <a:rPr lang="zh-CN" altLang="en-US" dirty="0"/>
-              <a:t>实践</a:t>
-            </a:r>
-            <a:r>
-              <a:rPr lang="zh-CN" altLang="en-US" dirty="0" smtClean="0"/>
-              <a:t>内容</a:t>
-            </a:r>
-            <a:endParaRPr lang="zh-CN" altLang="en-US" dirty="0"/>
+              <a:t>实践内容</a:t>
+            </a:r>
           </a:p>
         </p:txBody>
       </p:sp>
@@ -4283,52 +4204,44 @@
           <a:lstStyle/>
           <a:p>
             <a:r>
-              <a:rPr lang="zh-CN" altLang="en-US" dirty="0" smtClean="0"/>
+              <a:rPr lang="zh-CN" altLang="en-US" dirty="0"/>
               <a:t>基于多种编码器的文本理解</a:t>
             </a:r>
             <a:r>
-              <a:rPr lang="en-US" altLang="zh-CN" dirty="0" smtClean="0"/>
+              <a:rPr lang="en-US" altLang="zh-CN" dirty="0"/>
               <a:t>(</a:t>
             </a:r>
             <a:r>
-              <a:rPr lang="zh-CN" altLang="en-US" dirty="0" smtClean="0"/>
+              <a:rPr lang="zh-CN" altLang="en-US" dirty="0"/>
               <a:t>短文本分类</a:t>
             </a:r>
             <a:r>
-              <a:rPr lang="en-US" altLang="zh-CN" dirty="0" smtClean="0"/>
+              <a:rPr lang="en-US" altLang="zh-CN" dirty="0"/>
               <a:t>)</a:t>
             </a:r>
           </a:p>
           <a:p>
             <a:r>
-              <a:rPr lang="zh-CN" altLang="en-US" dirty="0" smtClean="0"/>
+              <a:rPr lang="zh-CN" altLang="en-US" dirty="0"/>
               <a:t>具体内容和要求：</a:t>
             </a:r>
-            <a:endParaRPr lang="en-US" altLang="zh-CN" dirty="0" smtClean="0"/>
+            <a:endParaRPr lang="en-US" altLang="zh-CN" dirty="0"/>
           </a:p>
           <a:p>
             <a:pPr lvl="1"/>
             <a:r>
-              <a:rPr lang="zh-CN" altLang="en-US" dirty="0" smtClean="0"/>
+              <a:rPr lang="zh-CN" altLang="en-US" dirty="0"/>
               <a:t>分别采用如下模型</a:t>
             </a:r>
             <a:r>
-              <a:rPr lang="en-US" altLang="zh-CN" dirty="0" smtClean="0"/>
+              <a:rPr lang="en-US" altLang="zh-CN" dirty="0"/>
               <a:t>/</a:t>
             </a:r>
             <a:r>
-              <a:rPr lang="zh-CN" altLang="en-US" dirty="0" smtClean="0"/>
-              <a:t>方法实现汉语</a:t>
-            </a:r>
-            <a:r>
               <a:rPr lang="zh-CN" altLang="en-US" dirty="0"/>
-              <a:t>短文</a:t>
-            </a:r>
-            <a:r>
-              <a:rPr lang="zh-CN" altLang="en-US" dirty="0" smtClean="0"/>
-              <a:t>本分类：</a:t>
-            </a:r>
-            <a:endParaRPr lang="en-US" altLang="zh-CN" dirty="0" smtClean="0"/>
+              <a:t>方法实现汉语短文本分类：</a:t>
+            </a:r>
+            <a:endParaRPr lang="en-US" altLang="zh-CN" dirty="0"/>
           </a:p>
           <a:p>
             <a:pPr marL="1073150" lvl="2" indent="-387350">
@@ -4337,7 +4250,7 @@
               <a:buAutoNum type="arabicPeriod"/>
             </a:pPr>
             <a:r>
-              <a:rPr lang="en-US" altLang="zh-CN" dirty="0" smtClean="0"/>
+              <a:rPr lang="en-US" altLang="zh-CN" dirty="0"/>
               <a:t>Bi-LSTM</a:t>
             </a:r>
           </a:p>
@@ -4348,7 +4261,7 @@
               <a:buAutoNum type="arabicPeriod"/>
             </a:pPr>
             <a:r>
-              <a:rPr lang="en-US" altLang="zh-CN" dirty="0" smtClean="0"/>
+              <a:rPr lang="en-US" altLang="zh-CN" dirty="0"/>
               <a:t>Transformer</a:t>
             </a:r>
           </a:p>
@@ -4359,25 +4272,17 @@
               <a:buAutoNum type="arabicPeriod"/>
             </a:pPr>
             <a:r>
-              <a:rPr lang="zh-CN" altLang="en-US" dirty="0" smtClean="0"/>
-              <a:t>预</a:t>
-            </a:r>
-            <a:r>
               <a:rPr lang="zh-CN" altLang="en-US" dirty="0"/>
-              <a:t>训练</a:t>
-            </a:r>
-            <a:r>
-              <a:rPr lang="zh-CN" altLang="en-US" dirty="0" smtClean="0"/>
-              <a:t>的</a:t>
-            </a:r>
-            <a:r>
-              <a:rPr lang="en-US" altLang="zh-CN" dirty="0" smtClean="0"/>
+              <a:t>预训练的</a:t>
+            </a:r>
+            <a:r>
+              <a:rPr lang="en-US" altLang="zh-CN" dirty="0"/>
               <a:t>Transformer</a:t>
             </a:r>
           </a:p>
           <a:p>
             <a:pPr lvl="1"/>
-            <a:endParaRPr lang="en-US" altLang="zh-CN" dirty="0" smtClean="0"/>
+            <a:endParaRPr lang="en-US" altLang="zh-CN" dirty="0"/>
           </a:p>
         </p:txBody>
       </p:sp>
@@ -4414,13 +4319,6 @@
   <p:clrMapOvr>
     <a:masterClrMapping/>
   </p:clrMapOvr>
-  <p:timing>
-    <p:tnLst>
-      <p:par>
-        <p:cTn id="1" dur="indefinite" restart="never" nodeType="tmRoot"/>
-      </p:par>
-    </p:tnLst>
-  </p:timing>
 </p:sld>
 </file>
 
@@ -4457,10 +4355,9 @@
           <a:lstStyle/>
           <a:p>
             <a:r>
-              <a:rPr lang="zh-CN" altLang="en-US" dirty="0" smtClean="0"/>
+              <a:rPr lang="zh-CN" altLang="en-US" dirty="0"/>
               <a:t>实践内容</a:t>
             </a:r>
-            <a:endParaRPr lang="zh-CN" altLang="en-US" dirty="0"/>
           </a:p>
         </p:txBody>
       </p:sp>
@@ -4510,73 +4407,61 @@
               <a:t>、</a:t>
             </a:r>
             <a:r>
-              <a:rPr lang="en-US" altLang="zh-CN" dirty="0" smtClean="0">
+              <a:rPr lang="en-US" altLang="zh-CN" dirty="0">
                 <a:latin typeface="+mn-lt"/>
               </a:rPr>
               <a:t>Transformer</a:t>
             </a:r>
             <a:r>
               <a:rPr lang="zh-CN" altLang="en-US" dirty="0"/>
-              <a:t>框架</a:t>
-            </a:r>
-            <a:r>
-              <a:rPr lang="zh-CN" altLang="en-US" dirty="0" smtClean="0"/>
-              <a:t>，请在其中补充和修改相关内容。重点</a:t>
-            </a:r>
-            <a:r>
-              <a:rPr lang="zh-CN" altLang="en-US" dirty="0" smtClean="0"/>
-              <a:t>考查</a:t>
-            </a:r>
-            <a:r>
-              <a:rPr lang="en-US" altLang="zh-CN" dirty="0" smtClean="0"/>
+              <a:t>框架，请在其中补充和修改相关内容。重点考查</a:t>
+            </a:r>
+            <a:r>
+              <a:rPr lang="en-US" altLang="zh-CN" dirty="0"/>
               <a:t>(2</a:t>
             </a:r>
             <a:r>
-              <a:rPr lang="zh-CN" altLang="en-US" dirty="0" smtClean="0"/>
+              <a:rPr lang="zh-CN" altLang="en-US" dirty="0"/>
               <a:t>、</a:t>
             </a:r>
             <a:r>
-              <a:rPr lang="en-US" altLang="zh-CN" dirty="0" smtClean="0"/>
+              <a:rPr lang="en-US" altLang="zh-CN" dirty="0"/>
               <a:t>3</a:t>
             </a:r>
             <a:r>
-              <a:rPr lang="zh-CN" altLang="en-US" dirty="0" smtClean="0"/>
+              <a:rPr lang="zh-CN" altLang="en-US" dirty="0"/>
               <a:t>、</a:t>
             </a:r>
             <a:r>
-              <a:rPr lang="en-US" altLang="zh-CN" dirty="0" smtClean="0"/>
+              <a:rPr lang="en-US" altLang="zh-CN" dirty="0"/>
               <a:t>4</a:t>
             </a:r>
             <a:r>
-              <a:rPr lang="zh-CN" altLang="en-US" dirty="0" smtClean="0"/>
+              <a:rPr lang="zh-CN" altLang="en-US" dirty="0"/>
               <a:t>项分值分别为</a:t>
             </a:r>
             <a:r>
-              <a:rPr lang="en-US" altLang="zh-CN" dirty="0" smtClean="0"/>
+              <a:rPr lang="en-US" altLang="zh-CN" dirty="0"/>
               <a:t>5</a:t>
             </a:r>
             <a:r>
-              <a:rPr lang="zh-CN" altLang="en-US" dirty="0" smtClean="0"/>
+              <a:rPr lang="zh-CN" altLang="en-US" dirty="0"/>
               <a:t>、</a:t>
             </a:r>
             <a:r>
-              <a:rPr lang="en-US" altLang="zh-CN" dirty="0" smtClean="0"/>
+              <a:rPr lang="en-US" altLang="zh-CN" dirty="0"/>
               <a:t>5</a:t>
             </a:r>
             <a:r>
-              <a:rPr lang="zh-CN" altLang="en-US" dirty="0" smtClean="0"/>
+              <a:rPr lang="zh-CN" altLang="en-US" dirty="0"/>
               <a:t>、</a:t>
             </a:r>
             <a:r>
-              <a:rPr lang="en-US" altLang="zh-CN" dirty="0" smtClean="0"/>
-              <a:t>6</a:t>
-            </a:r>
-            <a:r>
-              <a:rPr lang="en-US" altLang="zh-CN" dirty="0" smtClean="0"/>
-              <a:t>)</a:t>
-            </a:r>
-            <a:r>
-              <a:rPr lang="zh-CN" altLang="en-US" dirty="0" smtClean="0"/>
+              <a:rPr lang="en-US" altLang="zh-CN" dirty="0"/>
+              <a:t>6)</a:t>
+            </a:r>
+            <a:r>
+              <a:rPr lang="zh-CN" altLang="en-US" dirty="0"/>
               <a:t>：</a:t>
             </a:r>
             <a:endParaRPr lang="en-US" altLang="zh-CN" dirty="0"/>
@@ -4588,7 +4473,7 @@
               <a:buAutoNum type="arabicPeriod"/>
             </a:pPr>
             <a:r>
-              <a:rPr lang="zh-CN" altLang="en-US" dirty="0" smtClean="0"/>
+              <a:rPr lang="zh-CN" altLang="en-US" dirty="0"/>
               <a:t>进一步理解</a:t>
             </a:r>
             <a:r>
@@ -4600,40 +4485,24 @@
               <a:t>、</a:t>
             </a:r>
             <a:r>
-              <a:rPr lang="en-US" altLang="zh-CN" dirty="0" smtClean="0"/>
+              <a:rPr lang="en-US" altLang="zh-CN" dirty="0"/>
               <a:t>Transformer</a:t>
             </a:r>
             <a:r>
-              <a:rPr lang="zh-CN" altLang="en-US" dirty="0" smtClean="0"/>
+              <a:rPr lang="zh-CN" altLang="en-US" dirty="0"/>
               <a:t>和预训练的原理</a:t>
             </a:r>
-            <a:endParaRPr lang="en-US" altLang="zh-CN" dirty="0" smtClean="0"/>
+            <a:endParaRPr lang="en-US" altLang="zh-CN" dirty="0"/>
           </a:p>
           <a:p>
             <a:pPr marL="1439862" lvl="3" indent="-387350">
               <a:buSzPct val="100000"/>
             </a:pPr>
             <a:r>
-              <a:rPr lang="zh-CN" altLang="en-US" dirty="0" smtClean="0"/>
-              <a:t>架构，参数</a:t>
-            </a:r>
-            <a:r>
-              <a:rPr lang="zh-CN" altLang="en-US" dirty="0" smtClean="0"/>
-              <a:t>、变量的形状的</a:t>
-            </a:r>
-            <a:r>
-              <a:rPr lang="zh-CN" altLang="en-US" dirty="0" smtClean="0"/>
-              <a:t>变化，理解</a:t>
-            </a:r>
-            <a:r>
-              <a:rPr lang="zh-CN" altLang="en-US" dirty="0" smtClean="0"/>
-              <a:t>预</a:t>
-            </a:r>
-            <a:r>
-              <a:rPr lang="zh-CN" altLang="en-US" dirty="0" smtClean="0"/>
-              <a:t>训练本质</a:t>
-            </a:r>
-            <a:endParaRPr lang="en-US" altLang="zh-CN" dirty="0" smtClean="0"/>
+              <a:rPr lang="zh-CN" altLang="en-US" dirty="0"/>
+              <a:t>架构，参数、变量的形状的变化，理解预训练本质</a:t>
+            </a:r>
+            <a:endParaRPr lang="en-US" altLang="zh-CN" dirty="0"/>
           </a:p>
           <a:p>
             <a:pPr marL="1073150" lvl="2" indent="-387350">
@@ -4642,7 +4511,7 @@
               <a:buAutoNum type="arabicPeriod"/>
             </a:pPr>
             <a:r>
-              <a:rPr lang="en-US" altLang="zh-CN" dirty="0" smtClean="0"/>
+              <a:rPr lang="en-US" altLang="zh-CN" dirty="0"/>
               <a:t>Bi-LSMT</a:t>
             </a:r>
             <a:r>
@@ -4655,42 +4524,18 @@
             </a:r>
             <a:r>
               <a:rPr lang="zh-CN" altLang="en-US" dirty="0"/>
-              <a:t>如何</a:t>
-            </a:r>
-            <a:r>
-              <a:rPr lang="zh-CN" altLang="en-US" dirty="0" smtClean="0"/>
-              <a:t>调用训练好的</a:t>
-            </a:r>
-            <a:r>
-              <a:rPr lang="en-US" altLang="zh-CN" dirty="0" smtClean="0"/>
-              <a:t>word embedding</a:t>
-            </a:r>
-            <a:r>
-              <a:rPr lang="en-US" altLang="zh-CN" dirty="0" smtClean="0"/>
-              <a:t>(</a:t>
+              <a:t>如何调用训练好的</a:t>
+            </a:r>
+            <a:r>
+              <a:rPr lang="en-US" altLang="zh-CN" dirty="0"/>
+              <a:t>word embedding(</a:t>
             </a:r>
             <a:r>
               <a:rPr lang="zh-CN" altLang="en-US" dirty="0"/>
-              <a:t>使用</a:t>
-            </a:r>
-            <a:r>
-              <a:rPr lang="zh-CN" altLang="en-US" dirty="0" smtClean="0"/>
-              <a:t>第一次</a:t>
-            </a:r>
-            <a:r>
-              <a:rPr lang="zh-CN" altLang="en-US" dirty="0" smtClean="0"/>
-              <a:t>实践</a:t>
-            </a:r>
-            <a:r>
-              <a:rPr lang="zh-CN" altLang="en-US" dirty="0" smtClean="0"/>
-              <a:t>作业用的</a:t>
-            </a:r>
-            <a:r>
-              <a:rPr lang="zh-CN" altLang="en-US" dirty="0" smtClean="0"/>
-              <a:t>词向量</a:t>
-            </a:r>
-            <a:r>
-              <a:rPr lang="en-US" altLang="zh-CN" dirty="0" smtClean="0"/>
+              <a:t>使用第一次实践作业用的词向量</a:t>
+            </a:r>
+            <a:r>
+              <a:rPr lang="en-US" altLang="zh-CN" dirty="0"/>
               <a:t>)</a:t>
             </a:r>
           </a:p>
@@ -4699,17 +4544,25 @@
               <a:buSzPct val="100000"/>
             </a:pPr>
             <a:r>
-              <a:rPr lang="zh-CN" altLang="en-US" dirty="0" smtClean="0"/>
+              <a:rPr lang="zh-CN" altLang="en-US" dirty="0">
+                <a:solidFill>
+                  <a:srgbClr val="FF0000"/>
+                </a:solidFill>
+              </a:rPr>
               <a:t>给定代码里是随机初始化的词向量，需要修改相应代码以适应</a:t>
             </a:r>
-            <a:endParaRPr lang="en-US" altLang="zh-CN" dirty="0" smtClean="0"/>
+            <a:endParaRPr lang="en-US" altLang="zh-CN" dirty="0">
+              <a:solidFill>
+                <a:srgbClr val="FF0000"/>
+              </a:solidFill>
+            </a:endParaRPr>
           </a:p>
           <a:p>
             <a:pPr marL="1439862" lvl="3" indent="-387350">
               <a:buSzPct val="100000"/>
             </a:pPr>
             <a:r>
-              <a:rPr lang="zh-CN" altLang="en-US" dirty="0" smtClean="0"/>
+              <a:rPr lang="zh-CN" altLang="en-US" dirty="0"/>
               <a:t>预训练模型有自己固定的输入方式，调用预训练模型时注意修改</a:t>
             </a:r>
             <a:endParaRPr lang="en-US" altLang="zh-CN" dirty="0"/>
@@ -4788,10 +4641,9 @@
           <a:lstStyle/>
           <a:p>
             <a:r>
-              <a:rPr lang="zh-CN" altLang="en-US" dirty="0" smtClean="0"/>
+              <a:rPr lang="zh-CN" altLang="en-US" dirty="0"/>
               <a:t>实践内容</a:t>
             </a:r>
-            <a:endParaRPr lang="zh-CN" altLang="en-US" dirty="0"/>
           </a:p>
         </p:txBody>
       </p:sp>
@@ -4834,24 +4686,36 @@
             </a:pPr>
             <a:r>
               <a:rPr lang="zh-CN" altLang="en-US" dirty="0">
+                <a:solidFill>
+                  <a:srgbClr val="FF0000"/>
+                </a:solidFill>
                 <a:cs typeface="Arial" panose="020B0604020202020204" pitchFamily="34" charset="0"/>
               </a:rPr>
               <a:t>无论</a:t>
             </a:r>
             <a:r>
               <a:rPr lang="en-US" altLang="zh-CN" dirty="0">
+                <a:solidFill>
+                  <a:srgbClr val="FF0000"/>
+                </a:solidFill>
                 <a:cs typeface="Arial" panose="020B0604020202020204" pitchFamily="34" charset="0"/>
               </a:rPr>
               <a:t>Bi-LSTM</a:t>
             </a:r>
             <a:r>
               <a:rPr lang="zh-CN" altLang="en-US" dirty="0">
+                <a:solidFill>
+                  <a:srgbClr val="FF0000"/>
+                </a:solidFill>
                 <a:cs typeface="Arial" panose="020B0604020202020204" pitchFamily="34" charset="0"/>
               </a:rPr>
               <a:t>、</a:t>
             </a:r>
             <a:r>
               <a:rPr lang="en-US" altLang="zh-CN" dirty="0">
+                <a:solidFill>
+                  <a:srgbClr val="FF0000"/>
+                </a:solidFill>
                 <a:cs typeface="Arial" panose="020B0604020202020204" pitchFamily="34" charset="0"/>
               </a:rPr>
               <a:t>Transformer</a:t>
@@ -4897,66 +4761,54 @@
               <a:buAutoNum type="arabicPeriod" startAt="4"/>
             </a:pPr>
             <a:r>
-              <a:rPr lang="zh-CN" altLang="en-US" dirty="0" smtClean="0"/>
+              <a:rPr lang="zh-CN" altLang="en-US" dirty="0"/>
               <a:t>如何在</a:t>
             </a:r>
             <a:r>
               <a:rPr lang="en-US" altLang="zh-CN" dirty="0"/>
-              <a:t>T</a:t>
-            </a:r>
-            <a:r>
-              <a:rPr lang="en-US" altLang="zh-CN" dirty="0" smtClean="0"/>
-              <a:t>ransformer</a:t>
-            </a:r>
-            <a:r>
-              <a:rPr lang="zh-CN" altLang="en-US" dirty="0" smtClean="0"/>
+              <a:t>Transformer</a:t>
+            </a:r>
+            <a:r>
+              <a:rPr lang="zh-CN" altLang="en-US" dirty="0"/>
               <a:t>中使用预训练参数或直接调用预训练模型</a:t>
             </a:r>
-            <a:endParaRPr lang="en-US" altLang="zh-CN" dirty="0" smtClean="0"/>
+            <a:endParaRPr lang="en-US" altLang="zh-CN" dirty="0"/>
           </a:p>
           <a:p>
             <a:pPr marL="1439862" lvl="3" indent="-387350">
               <a:buSzPct val="100000"/>
             </a:pPr>
             <a:r>
-              <a:rPr lang="zh-CN" altLang="en-US" dirty="0" smtClean="0"/>
+              <a:rPr lang="zh-CN" altLang="en-US" dirty="0"/>
               <a:t>使用</a:t>
             </a:r>
             <a:r>
-              <a:rPr lang="en-US" altLang="zh-CN" dirty="0" smtClean="0"/>
+              <a:rPr lang="en-US" altLang="zh-CN" dirty="0"/>
               <a:t>BERT</a:t>
             </a:r>
             <a:r>
-              <a:rPr lang="zh-CN" altLang="en-US" dirty="0" smtClean="0"/>
+              <a:rPr lang="zh-CN" altLang="en-US" dirty="0"/>
               <a:t>系列如</a:t>
             </a:r>
             <a:r>
-              <a:rPr lang="en-US" altLang="zh-CN" dirty="0" smtClean="0"/>
+              <a:rPr lang="en-US" altLang="zh-CN" dirty="0"/>
               <a:t>BERT base</a:t>
             </a:r>
             <a:r>
-              <a:rPr lang="zh-CN" altLang="en-US" dirty="0" smtClean="0"/>
-              <a:t>，</a:t>
-            </a:r>
-            <a:r>
               <a:rPr lang="zh-CN" altLang="en-US" dirty="0"/>
-              <a:t>或者</a:t>
-            </a:r>
-            <a:r>
-              <a:rPr lang="zh-CN" altLang="en-US" dirty="0" smtClean="0"/>
-              <a:t>你认为合适的其他预训练模型</a:t>
-            </a:r>
-            <a:endParaRPr lang="en-US" altLang="zh-CN" dirty="0" smtClean="0"/>
+              <a:t>，或者你认为合适的其他预训练模型</a:t>
+            </a:r>
+            <a:endParaRPr lang="en-US" altLang="zh-CN" dirty="0"/>
           </a:p>
           <a:p>
             <a:pPr marL="1439862" lvl="3" indent="-387350">
               <a:buSzPct val="100000"/>
             </a:pPr>
             <a:r>
-              <a:rPr lang="zh-CN" altLang="en-US" dirty="0" smtClean="0"/>
+              <a:rPr lang="zh-CN" altLang="en-US" dirty="0"/>
               <a:t>两种引入方式：</a:t>
             </a:r>
-            <a:endParaRPr lang="en-US" altLang="zh-CN" dirty="0" smtClean="0"/>
+            <a:endParaRPr lang="en-US" altLang="zh-CN" dirty="0"/>
           </a:p>
           <a:p>
             <a:pPr marL="1701800" lvl="4" indent="-387350">
@@ -4966,18 +4818,14 @@
             </a:pPr>
             <a:r>
               <a:rPr lang="zh-CN" altLang="en-US" dirty="0"/>
-              <a:t>完全调用完整的预训练</a:t>
-            </a:r>
-            <a:r>
-              <a:rPr lang="zh-CN" altLang="en-US" dirty="0" smtClean="0"/>
-              <a:t>模型，抛弃原始</a:t>
-            </a:r>
-            <a:r>
-              <a:rPr lang="en-US" altLang="zh-CN" dirty="0" smtClean="0"/>
+              <a:t>完全调用完整的预训练模型，抛弃原始</a:t>
+            </a:r>
+            <a:r>
+              <a:rPr lang="en-US" altLang="zh-CN" dirty="0"/>
               <a:t>Transformer</a:t>
             </a:r>
             <a:r>
-              <a:rPr lang="zh-CN" altLang="en-US" dirty="0" smtClean="0"/>
+              <a:rPr lang="zh-CN" altLang="en-US" dirty="0"/>
               <a:t>架构</a:t>
             </a:r>
             <a:endParaRPr lang="en-US" altLang="zh-CN" dirty="0"/>
@@ -4989,41 +4837,41 @@
               <a:buAutoNum type="arabicPeriod"/>
             </a:pPr>
             <a:r>
-              <a:rPr lang="zh-CN" altLang="en-US" dirty="0" smtClean="0"/>
+              <a:rPr lang="zh-CN" altLang="en-US" dirty="0"/>
               <a:t>不改变给定的</a:t>
             </a:r>
             <a:r>
-              <a:rPr lang="en-US" altLang="zh-CN" dirty="0" smtClean="0"/>
+              <a:rPr lang="en-US" altLang="zh-CN" dirty="0"/>
               <a:t>Transformer</a:t>
             </a:r>
             <a:r>
-              <a:rPr lang="zh-CN" altLang="en-US" dirty="0" smtClean="0"/>
+              <a:rPr lang="zh-CN" altLang="en-US" dirty="0"/>
               <a:t>架构</a:t>
             </a:r>
             <a:r>
-              <a:rPr lang="en-US" altLang="zh-CN" dirty="0" smtClean="0"/>
+              <a:rPr lang="en-US" altLang="zh-CN" dirty="0"/>
               <a:t>(</a:t>
             </a:r>
             <a:r>
-              <a:rPr lang="zh-CN" altLang="en-US" dirty="0" smtClean="0"/>
+              <a:rPr lang="zh-CN" altLang="en-US" dirty="0"/>
               <a:t>如层数</a:t>
             </a:r>
             <a:r>
-              <a:rPr lang="en-US" altLang="zh-CN" dirty="0" smtClean="0"/>
+              <a:rPr lang="en-US" altLang="zh-CN" dirty="0"/>
               <a:t>)</a:t>
             </a:r>
             <a:r>
-              <a:rPr lang="zh-CN" altLang="en-US" dirty="0" smtClean="0"/>
+              <a:rPr lang="zh-CN" altLang="en-US" dirty="0"/>
               <a:t>，只迁移参数</a:t>
             </a:r>
-            <a:endParaRPr lang="en-US" altLang="zh-CN" dirty="0" smtClean="0"/>
+            <a:endParaRPr lang="en-US" altLang="zh-CN" dirty="0"/>
           </a:p>
           <a:p>
             <a:pPr marL="1609725" lvl="4" indent="-295275">
               <a:buSzPct val="100000"/>
             </a:pPr>
             <a:r>
-              <a:rPr lang="zh-CN" altLang="en-US" sz="2000" dirty="0" smtClean="0">
+              <a:rPr lang="zh-CN" altLang="en-US" sz="2000" dirty="0">
                 <a:solidFill>
                   <a:schemeClr val="accent2"/>
                 </a:solidFill>
@@ -5140,25 +4988,25 @@
           <a:p>
             <a:pPr lvl="1"/>
             <a:r>
-              <a:rPr lang="zh-CN" altLang="en-US" dirty="0" smtClean="0"/>
+              <a:rPr lang="zh-CN" altLang="en-US" dirty="0"/>
               <a:t>数据：</a:t>
             </a:r>
-            <a:endParaRPr lang="en-US" altLang="zh-CN" dirty="0" smtClean="0"/>
+            <a:endParaRPr lang="en-US" altLang="zh-CN" dirty="0"/>
           </a:p>
           <a:p>
             <a:pPr lvl="2"/>
             <a:r>
-              <a:rPr lang="zh-CN" altLang="en-US" dirty="0" smtClean="0"/>
+              <a:rPr lang="zh-CN" altLang="en-US" dirty="0"/>
               <a:t>训练、验证和测试数据来自</a:t>
             </a:r>
             <a:r>
-              <a:rPr lang="en-US" altLang="zh-CN" sz="2200" dirty="0" err="1" smtClean="0">
+              <a:rPr lang="en-US" altLang="zh-CN" sz="2200" dirty="0" err="1">
                 <a:latin typeface="+mn-lt"/>
               </a:rPr>
               <a:t>ChineseGLUE</a:t>
             </a:r>
             <a:r>
-              <a:rPr lang="en-US" altLang="zh-CN" sz="2200" dirty="0" smtClean="0">
+              <a:rPr lang="en-US" altLang="zh-CN" sz="2200" dirty="0">
                 <a:latin typeface="+mn-lt"/>
               </a:rPr>
               <a:t>(CLUE): </a:t>
@@ -5168,22 +5016,15 @@
                 <a:latin typeface="+mn-lt"/>
                 <a:hlinkClick r:id="rId2"/>
               </a:rPr>
-              <a:t>https://</a:t>
-            </a:r>
-            <a:r>
-              <a:rPr lang="en-US" altLang="zh-CN" dirty="0" smtClean="0">
-                <a:latin typeface="+mn-lt"/>
-                <a:hlinkClick r:id="rId2"/>
-              </a:rPr>
-              <a:t>github.com/CLUEbenchmark/CLUE</a:t>
-            </a:r>
-            <a:endParaRPr lang="en-US" altLang="zh-CN" dirty="0" smtClean="0">
+              <a:t>https://github.com/CLUEbenchmark/CLUE</a:t>
+            </a:r>
+            <a:endParaRPr lang="en-US" altLang="zh-CN" dirty="0">
               <a:latin typeface="+mn-lt"/>
             </a:endParaRPr>
           </a:p>
           <a:p>
             <a:pPr lvl="2"/>
-            <a:endParaRPr lang="en-US" altLang="zh-CN" dirty="0" smtClean="0">
+            <a:endParaRPr lang="en-US" altLang="zh-CN" dirty="0">
               <a:latin typeface="+mn-lt"/>
             </a:endParaRPr>
           </a:p>
@@ -5191,7 +5032,7 @@
             <a:pPr marL="1028700" lvl="3" indent="0">
               <a:buNone/>
             </a:pPr>
-            <a:endParaRPr lang="en-US" altLang="zh-CN" sz="2200" dirty="0" smtClean="0"/>
+            <a:endParaRPr lang="en-US" altLang="zh-CN" sz="2200" dirty="0"/>
           </a:p>
           <a:p>
             <a:pPr marL="1028700" lvl="3" indent="0">
@@ -5207,7 +5048,7 @@
           </a:p>
           <a:p>
             <a:pPr lvl="2"/>
-            <a:endParaRPr lang="en-US" altLang="zh-CN" dirty="0" smtClean="0"/>
+            <a:endParaRPr lang="en-US" altLang="zh-CN" dirty="0"/>
           </a:p>
         </p:txBody>
       </p:sp>
@@ -5268,13 +5109,6 @@
   <p:clrMapOvr>
     <a:masterClrMapping/>
   </p:clrMapOvr>
-  <p:timing>
-    <p:tnLst>
-      <p:par>
-        <p:cTn id="1" dur="indefinite" restart="never" nodeType="tmRoot"/>
-      </p:par>
-    </p:tnLst>
-  </p:timing>
 </p:sld>
 </file>
 
@@ -5311,10 +5145,9 @@
           <a:lstStyle/>
           <a:p>
             <a:r>
-              <a:rPr lang="zh-CN" altLang="en-US" dirty="0" smtClean="0"/>
+              <a:rPr lang="zh-CN" altLang="en-US" dirty="0"/>
               <a:t>提交内容、方式和时间</a:t>
             </a:r>
-            <a:endParaRPr lang="zh-CN" altLang="en-US" dirty="0"/>
           </a:p>
         </p:txBody>
       </p:sp>
@@ -5339,74 +5172,70 @@
           <a:lstStyle/>
           <a:p>
             <a:r>
-              <a:rPr lang="zh-CN" altLang="en-US" dirty="0" smtClean="0"/>
+              <a:rPr lang="zh-CN" altLang="en-US" dirty="0"/>
               <a:t>提交内容</a:t>
             </a:r>
-            <a:endParaRPr lang="en-US" altLang="zh-CN" dirty="0" smtClean="0"/>
+            <a:endParaRPr lang="en-US" altLang="zh-CN" dirty="0"/>
           </a:p>
           <a:p>
             <a:pPr lvl="1"/>
             <a:r>
-              <a:rPr lang="zh-CN" altLang="en-US" dirty="0" smtClean="0"/>
+              <a:rPr lang="zh-CN" altLang="en-US" dirty="0"/>
               <a:t>实验报告</a:t>
             </a:r>
             <a:r>
-              <a:rPr lang="en-US" altLang="zh-CN" dirty="0" smtClean="0"/>
+              <a:rPr lang="en-US" altLang="zh-CN" dirty="0"/>
               <a:t>(</a:t>
             </a:r>
             <a:r>
-              <a:rPr lang="en-US" altLang="zh-CN" dirty="0" smtClean="0">
+              <a:rPr lang="en-US" altLang="zh-CN" dirty="0">
                 <a:latin typeface="+mn-lt"/>
               </a:rPr>
               <a:t>Word</a:t>
             </a:r>
             <a:r>
-              <a:rPr lang="zh-CN" altLang="en-US" dirty="0" smtClean="0">
+              <a:rPr lang="zh-CN" altLang="en-US" dirty="0">
                 <a:latin typeface="+mn-lt"/>
               </a:rPr>
               <a:t>或</a:t>
             </a:r>
             <a:r>
-              <a:rPr lang="en-US" altLang="zh-CN" dirty="0" smtClean="0">
+              <a:rPr lang="en-US" altLang="zh-CN" dirty="0">
                 <a:latin typeface="+mn-lt"/>
               </a:rPr>
               <a:t>PDF</a:t>
             </a:r>
             <a:r>
-              <a:rPr lang="zh-CN" altLang="en-US" dirty="0" smtClean="0">
+              <a:rPr lang="zh-CN" altLang="en-US" dirty="0">
                 <a:latin typeface="+mn-lt"/>
               </a:rPr>
               <a:t>文档</a:t>
             </a:r>
             <a:r>
-              <a:rPr lang="en-US" altLang="zh-CN" dirty="0" smtClean="0"/>
+              <a:rPr lang="en-US" altLang="zh-CN" dirty="0"/>
               <a:t>)+</a:t>
             </a:r>
             <a:r>
-              <a:rPr lang="zh-CN" altLang="en-US" dirty="0" smtClean="0"/>
+              <a:rPr lang="zh-CN" altLang="en-US" dirty="0"/>
               <a:t>源码</a:t>
             </a:r>
-            <a:endParaRPr lang="en-US" altLang="zh-CN" dirty="0" smtClean="0"/>
+            <a:endParaRPr lang="en-US" altLang="zh-CN" dirty="0"/>
           </a:p>
           <a:p>
             <a:pPr lvl="1"/>
             <a:r>
-              <a:rPr lang="zh-CN" altLang="en-US" dirty="0" smtClean="0"/>
+              <a:rPr lang="zh-CN" altLang="en-US" dirty="0"/>
               <a:t>源码中注释出修改的地方</a:t>
             </a:r>
-            <a:endParaRPr lang="en-US" altLang="zh-CN" dirty="0" smtClean="0"/>
+            <a:endParaRPr lang="en-US" altLang="zh-CN" dirty="0"/>
           </a:p>
           <a:p>
             <a:pPr lvl="1"/>
             <a:r>
               <a:rPr lang="zh-CN" altLang="en-US" dirty="0"/>
-              <a:t>报告</a:t>
-            </a:r>
-            <a:r>
-              <a:rPr lang="zh-CN" altLang="en-US" dirty="0" smtClean="0"/>
-              <a:t>内容包括：</a:t>
-            </a:r>
-            <a:endParaRPr lang="en-US" altLang="zh-CN" dirty="0" smtClean="0"/>
+              <a:t>报告内容包括：</a:t>
+            </a:r>
+            <a:endParaRPr lang="en-US" altLang="zh-CN" dirty="0"/>
           </a:p>
           <a:p>
             <a:pPr marL="1143000" lvl="2" indent="-457200">
@@ -5414,23 +5243,17 @@
               <a:buAutoNum type="arabicPeriod"/>
             </a:pPr>
             <a:r>
-              <a:rPr lang="zh-CN" altLang="en-US" dirty="0" smtClean="0"/>
+              <a:rPr lang="zh-CN" altLang="en-US" dirty="0"/>
               <a:t>重点是简述一下如何实现的题目的那些要求，比如调入词向量时做了哪些细节处理，使用了哪些</a:t>
             </a:r>
             <a:r>
               <a:rPr lang="zh-CN" altLang="en-US" dirty="0">
                 <a:cs typeface="Arial" panose="020B0604020202020204" pitchFamily="34" charset="0"/>
               </a:rPr>
-              <a:t>隐藏层输出来对</a:t>
-            </a:r>
-            <a:r>
-              <a:rPr lang="zh-CN" altLang="en-US" dirty="0" smtClean="0">
-                <a:cs typeface="Arial" panose="020B0604020202020204" pitchFamily="34" charset="0"/>
-              </a:rPr>
-              <a:t>句子做表示，如何使用的预训练模型</a:t>
-            </a:r>
-            <a:r>
-              <a:rPr lang="en-US" altLang="zh-CN" dirty="0" smtClean="0">
+              <a:t>隐藏层输出来对句子做表示，如何使用的预训练模型</a:t>
+            </a:r>
+            <a:r>
+              <a:rPr lang="en-US" altLang="zh-CN" dirty="0">
                 <a:cs typeface="Arial" panose="020B0604020202020204" pitchFamily="34" charset="0"/>
               </a:rPr>
               <a:t>……</a:t>
@@ -5443,17 +5266,17 @@
               <a:buAutoNum type="arabicPeriod"/>
             </a:pPr>
             <a:r>
-              <a:rPr lang="zh-CN" altLang="en-US" dirty="0" smtClean="0"/>
+              <a:rPr lang="zh-CN" altLang="en-US" dirty="0"/>
               <a:t>不同模型，利用不同隐藏层来表示句子的实验结果比较分析</a:t>
             </a:r>
-            <a:endParaRPr lang="en-US" altLang="zh-CN" dirty="0" smtClean="0"/>
+            <a:endParaRPr lang="en-US" altLang="zh-CN" dirty="0"/>
           </a:p>
           <a:p>
             <a:pPr marL="685800" lvl="2" indent="0">
               <a:buNone/>
             </a:pPr>
             <a:r>
-              <a:rPr lang="en-US" altLang="zh-CN" dirty="0" smtClean="0"/>
+              <a:rPr lang="en-US" altLang="zh-CN" dirty="0"/>
               <a:t>……</a:t>
             </a:r>
             <a:endParaRPr lang="zh-CN" altLang="en-US" dirty="0"/>
@@ -5556,80 +5379,80 @@
           <a:lstStyle/>
           <a:p>
             <a:r>
-              <a:rPr lang="zh-CN" altLang="en-US" dirty="0" smtClean="0"/>
+              <a:rPr lang="zh-CN" altLang="en-US" dirty="0"/>
               <a:t>提交方式和</a:t>
             </a:r>
             <a:r>
-              <a:rPr lang="en-US" altLang="zh-CN" dirty="0" smtClean="0"/>
+              <a:rPr lang="en-US" altLang="zh-CN" dirty="0"/>
               <a:t>deadline</a:t>
             </a:r>
           </a:p>
           <a:p>
             <a:pPr lvl="1"/>
             <a:r>
-              <a:rPr lang="zh-CN" altLang="en-US" dirty="0" smtClean="0"/>
+              <a:rPr lang="zh-CN" altLang="en-US" dirty="0"/>
               <a:t>压缩包提交到乐学“实践作业二”入口，命名：实践</a:t>
             </a:r>
             <a:r>
-              <a:rPr lang="en-US" altLang="zh-CN" dirty="0" smtClean="0"/>
+              <a:rPr lang="en-US" altLang="zh-CN" dirty="0"/>
               <a:t>2_</a:t>
             </a:r>
             <a:r>
-              <a:rPr lang="zh-CN" altLang="en-US" dirty="0" smtClean="0"/>
+              <a:rPr lang="zh-CN" altLang="en-US" dirty="0"/>
               <a:t>学号</a:t>
             </a:r>
             <a:r>
-              <a:rPr lang="en-US" altLang="zh-CN" dirty="0" smtClean="0"/>
+              <a:rPr lang="en-US" altLang="zh-CN" dirty="0"/>
               <a:t>_</a:t>
             </a:r>
             <a:r>
-              <a:rPr lang="zh-CN" altLang="en-US" dirty="0" smtClean="0"/>
+              <a:rPr lang="zh-CN" altLang="en-US" dirty="0"/>
               <a:t>姓名</a:t>
             </a:r>
             <a:r>
-              <a:rPr lang="en-US" altLang="zh-CN" dirty="0" smtClean="0"/>
+              <a:rPr lang="en-US" altLang="zh-CN" dirty="0"/>
               <a:t>.xxx</a:t>
             </a:r>
           </a:p>
           <a:p>
             <a:pPr lvl="1"/>
             <a:r>
-              <a:rPr lang="en-US" altLang="zh-CN" dirty="0" smtClean="0">
+              <a:rPr lang="en-US" altLang="zh-CN" dirty="0">
                 <a:latin typeface="+mn-lt"/>
               </a:rPr>
               <a:t>Deadline</a:t>
             </a:r>
             <a:r>
-              <a:rPr lang="zh-CN" altLang="en-US" dirty="0" smtClean="0">
+              <a:rPr lang="zh-CN" altLang="en-US" dirty="0">
                 <a:latin typeface="+mn-lt"/>
               </a:rPr>
               <a:t>：</a:t>
             </a:r>
             <a:r>
-              <a:rPr lang="en-US" altLang="zh-CN" dirty="0" smtClean="0">
+              <a:rPr lang="en-US" altLang="zh-CN" dirty="0">
                 <a:latin typeface="+mn-lt"/>
               </a:rPr>
               <a:t>12</a:t>
             </a:r>
             <a:r>
-              <a:rPr lang="zh-CN" altLang="en-US" dirty="0" smtClean="0">
+              <a:rPr lang="zh-CN" altLang="en-US" dirty="0">
                 <a:latin typeface="+mn-lt"/>
               </a:rPr>
               <a:t>月</a:t>
             </a:r>
             <a:r>
-              <a:rPr lang="en-US" altLang="zh-CN" dirty="0" smtClean="0">
+              <a:rPr lang="en-US" altLang="zh-CN" dirty="0">
                 <a:latin typeface="+mn-lt"/>
               </a:rPr>
               <a:t>3</a:t>
             </a:r>
             <a:r>
-              <a:rPr lang="zh-CN" altLang="en-US" dirty="0" smtClean="0">
+              <a:rPr lang="zh-CN" altLang="en-US" dirty="0">
                 <a:latin typeface="+mn-lt"/>
               </a:rPr>
               <a:t>日（周日）</a:t>
             </a:r>
-            <a:endParaRPr lang="en-US" altLang="zh-CN" dirty="0" smtClean="0"/>
+            <a:endParaRPr lang="en-US" altLang="zh-CN" dirty="0"/>
           </a:p>
         </p:txBody>
       </p:sp>
